--- a/NoSQL/Презентация.pptx
+++ b/NoSQL/Презентация.pptx
@@ -13,8 +13,12 @@
     <p:sldId id="261" r:id="rId7"/>
     <p:sldId id="263" r:id="rId8"/>
     <p:sldId id="262" r:id="rId9"/>
-    <p:sldId id="264" r:id="rId10"/>
-    <p:sldId id="266" r:id="rId11"/>
+    <p:sldId id="267" r:id="rId10"/>
+    <p:sldId id="268" r:id="rId11"/>
+    <p:sldId id="269" r:id="rId12"/>
+    <p:sldId id="270" r:id="rId13"/>
+    <p:sldId id="264" r:id="rId14"/>
+    <p:sldId id="266" r:id="rId15"/>
   </p:sldIdLst>
   <p:sldSz cx="12192000" cy="6858000"/>
   <p:notesSz cx="6858000" cy="9144000"/>
@@ -113,6 +117,11 @@
       </a:defRPr>
     </a:lvl9pPr>
   </p:defaultTextStyle>
+  <p:extLst>
+    <p:ext uri="{EFAFB233-063F-42B5-8137-9DF3F51BA10A}">
+      <p15:sldGuideLst xmlns:p15="http://schemas.microsoft.com/office/powerpoint/2012/main"/>
+    </p:ext>
+  </p:extLst>
 </p:presentation>
 </file>
 
@@ -3087,6 +3096,523 @@
             <p:ph type="title"/>
           </p:nvPr>
         </p:nvSpPr>
+        <p:spPr/>
+        <p:txBody>
+          <a:bodyPr/>
+          <a:lstStyle/>
+          <a:p>
+            <a:r>
+              <a:rPr lang="ru-RU" dirty="0"/>
+              <a:t>О</a:t>
+            </a:r>
+            <a:r>
+              <a:rPr lang="ru-RU" dirty="0" smtClean="0"/>
+              <a:t>сновные </a:t>
+            </a:r>
+            <a:r>
+              <a:rPr lang="ru-RU" dirty="0"/>
+              <a:t>свойства распределенных </a:t>
+            </a:r>
+            <a:r>
+              <a:rPr lang="en-US" dirty="0"/>
+              <a:t>NoSQL</a:t>
+            </a:r>
+            <a:endParaRPr lang="ru-RU" dirty="0"/>
+          </a:p>
+        </p:txBody>
+      </p:sp>
+      <p:sp>
+        <p:nvSpPr>
+          <p:cNvPr id="3" name="Объект 2"/>
+          <p:cNvSpPr>
+            <a:spLocks noGrp="1"/>
+          </p:cNvSpPr>
+          <p:nvPr>
+            <p:ph idx="1"/>
+          </p:nvPr>
+        </p:nvSpPr>
+        <p:spPr/>
+        <p:txBody>
+          <a:bodyPr/>
+          <a:lstStyle/>
+          <a:p>
+            <a:r>
+              <a:rPr lang="ru-RU" b="1" dirty="0"/>
+              <a:t>Репликация</a:t>
+            </a:r>
+            <a:r>
+              <a:rPr lang="ru-RU" dirty="0"/>
+              <a:t> — копирование данных на другие узлы при обновлении. Позволяет как добиться большей масштабируемости, так и повысить доступность и сохранность данных</a:t>
+            </a:r>
+            <a:r>
+              <a:rPr lang="ru-RU" dirty="0" smtClean="0"/>
+              <a:t>.</a:t>
+            </a:r>
+          </a:p>
+          <a:p>
+            <a:r>
+              <a:rPr lang="ru-RU" b="1" dirty="0" err="1"/>
+              <a:t>Шардинг</a:t>
+            </a:r>
+            <a:r>
+              <a:rPr lang="ru-RU" dirty="0"/>
+              <a:t> — разделение данных по узлам</a:t>
+            </a:r>
+            <a:endParaRPr lang="ru-RU" dirty="0"/>
+          </a:p>
+        </p:txBody>
+      </p:sp>
+    </p:spTree>
+    <p:extLst>
+      <p:ext uri="{BB962C8B-B14F-4D97-AF65-F5344CB8AC3E}">
+        <p14:creationId xmlns:p14="http://schemas.microsoft.com/office/powerpoint/2010/main" val="763757128"/>
+      </p:ext>
+    </p:extLst>
+  </p:cSld>
+  <p:clrMapOvr>
+    <a:masterClrMapping/>
+  </p:clrMapOvr>
+</p:sld>
+</file>
+
+<file path=ppt/slides/slide11.xml><?xml version="1.0" encoding="utf-8"?>
+<p:sld xmlns:a="http://schemas.openxmlformats.org/drawingml/2006/main" xmlns:r="http://schemas.openxmlformats.org/officeDocument/2006/relationships" xmlns:p="http://schemas.openxmlformats.org/presentationml/2006/main">
+  <p:cSld>
+    <p:spTree>
+      <p:nvGrpSpPr>
+        <p:cNvPr id="1" name=""/>
+        <p:cNvGrpSpPr/>
+        <p:nvPr/>
+      </p:nvGrpSpPr>
+      <p:grpSpPr>
+        <a:xfrm>
+          <a:off x="0" y="0"/>
+          <a:ext cx="0" cy="0"/>
+          <a:chOff x="0" y="0"/>
+          <a:chExt cx="0" cy="0"/>
+        </a:xfrm>
+      </p:grpSpPr>
+      <p:sp>
+        <p:nvSpPr>
+          <p:cNvPr id="2" name="Заголовок 1"/>
+          <p:cNvSpPr>
+            <a:spLocks noGrp="1"/>
+          </p:cNvSpPr>
+          <p:nvPr>
+            <p:ph type="title"/>
+          </p:nvPr>
+        </p:nvSpPr>
+        <p:spPr/>
+        <p:txBody>
+          <a:bodyPr/>
+          <a:lstStyle/>
+          <a:p>
+            <a:r>
+              <a:rPr lang="ru-RU" dirty="0" smtClean="0"/>
+              <a:t>Репликация</a:t>
+            </a:r>
+            <a:endParaRPr lang="ru-RU" dirty="0"/>
+          </a:p>
+        </p:txBody>
+      </p:sp>
+      <p:pic>
+        <p:nvPicPr>
+          <p:cNvPr id="4" name="Объект 3"/>
+          <p:cNvPicPr>
+            <a:picLocks noGrp="1" noChangeAspect="1"/>
+          </p:cNvPicPr>
+          <p:nvPr>
+            <p:ph idx="1"/>
+          </p:nvPr>
+        </p:nvPicPr>
+        <p:blipFill>
+          <a:blip r:embed="rId2"/>
+          <a:stretch>
+            <a:fillRect/>
+          </a:stretch>
+        </p:blipFill>
+        <p:spPr>
+          <a:xfrm>
+            <a:off x="0" y="2310606"/>
+            <a:ext cx="6914147" cy="3381375"/>
+          </a:xfrm>
+          <a:prstGeom prst="rect">
+            <a:avLst/>
+          </a:prstGeom>
+        </p:spPr>
+      </p:pic>
+      <p:pic>
+        <p:nvPicPr>
+          <p:cNvPr id="5" name="Рисунок 4"/>
+          <p:cNvPicPr>
+            <a:picLocks noChangeAspect="1"/>
+          </p:cNvPicPr>
+          <p:nvPr/>
+        </p:nvPicPr>
+        <p:blipFill>
+          <a:blip r:embed="rId3"/>
+          <a:stretch>
+            <a:fillRect/>
+          </a:stretch>
+        </p:blipFill>
+        <p:spPr>
+          <a:xfrm>
+            <a:off x="6719680" y="2328026"/>
+            <a:ext cx="5472320" cy="3346534"/>
+          </a:xfrm>
+          <a:prstGeom prst="rect">
+            <a:avLst/>
+          </a:prstGeom>
+        </p:spPr>
+      </p:pic>
+      <p:sp>
+        <p:nvSpPr>
+          <p:cNvPr id="6" name="TextBox 5"/>
+          <p:cNvSpPr txBox="1"/>
+          <p:nvPr/>
+        </p:nvSpPr>
+        <p:spPr>
+          <a:xfrm>
+            <a:off x="1540042" y="1690688"/>
+            <a:ext cx="1436675" cy="369332"/>
+          </a:xfrm>
+          <a:prstGeom prst="rect">
+            <a:avLst/>
+          </a:prstGeom>
+          <a:noFill/>
+        </p:spPr>
+        <p:txBody>
+          <a:bodyPr wrap="none" rtlCol="0">
+            <a:spAutoFit/>
+          </a:bodyPr>
+          <a:lstStyle/>
+          <a:p>
+            <a:r>
+              <a:rPr lang="en-US" dirty="0" smtClean="0"/>
+              <a:t>master-slave:</a:t>
+            </a:r>
+            <a:endParaRPr lang="ru-RU" dirty="0"/>
+          </a:p>
+        </p:txBody>
+      </p:sp>
+      <p:sp>
+        <p:nvSpPr>
+          <p:cNvPr id="7" name="TextBox 6"/>
+          <p:cNvSpPr txBox="1"/>
+          <p:nvPr/>
+        </p:nvSpPr>
+        <p:spPr>
+          <a:xfrm>
+            <a:off x="7459579" y="1690688"/>
+            <a:ext cx="1450397" cy="369332"/>
+          </a:xfrm>
+          <a:prstGeom prst="rect">
+            <a:avLst/>
+          </a:prstGeom>
+          <a:noFill/>
+        </p:spPr>
+        <p:txBody>
+          <a:bodyPr wrap="none" rtlCol="0">
+            <a:spAutoFit/>
+          </a:bodyPr>
+          <a:lstStyle/>
+          <a:p>
+            <a:r>
+              <a:rPr lang="en-US" dirty="0" smtClean="0"/>
+              <a:t>peer-to-peer:</a:t>
+            </a:r>
+          </a:p>
+        </p:txBody>
+      </p:sp>
+    </p:spTree>
+    <p:extLst>
+      <p:ext uri="{BB962C8B-B14F-4D97-AF65-F5344CB8AC3E}">
+        <p14:creationId xmlns:p14="http://schemas.microsoft.com/office/powerpoint/2010/main" val="2763692584"/>
+      </p:ext>
+    </p:extLst>
+  </p:cSld>
+  <p:clrMapOvr>
+    <a:masterClrMapping/>
+  </p:clrMapOvr>
+</p:sld>
+</file>
+
+<file path=ppt/slides/slide12.xml><?xml version="1.0" encoding="utf-8"?>
+<p:sld xmlns:a="http://schemas.openxmlformats.org/drawingml/2006/main" xmlns:r="http://schemas.openxmlformats.org/officeDocument/2006/relationships" xmlns:p="http://schemas.openxmlformats.org/presentationml/2006/main">
+  <p:cSld>
+    <p:spTree>
+      <p:nvGrpSpPr>
+        <p:cNvPr id="1" name=""/>
+        <p:cNvGrpSpPr/>
+        <p:nvPr/>
+      </p:nvGrpSpPr>
+      <p:grpSpPr>
+        <a:xfrm>
+          <a:off x="0" y="0"/>
+          <a:ext cx="0" cy="0"/>
+          <a:chOff x="0" y="0"/>
+          <a:chExt cx="0" cy="0"/>
+        </a:xfrm>
+      </p:grpSpPr>
+      <p:sp>
+        <p:nvSpPr>
+          <p:cNvPr id="2" name="Заголовок 1"/>
+          <p:cNvSpPr>
+            <a:spLocks noGrp="1"/>
+          </p:cNvSpPr>
+          <p:nvPr>
+            <p:ph type="title"/>
+          </p:nvPr>
+        </p:nvSpPr>
+        <p:spPr/>
+        <p:txBody>
+          <a:bodyPr/>
+          <a:lstStyle/>
+          <a:p>
+            <a:r>
+              <a:rPr lang="ru-RU" dirty="0" err="1" smtClean="0"/>
+              <a:t>Шардинг</a:t>
+            </a:r>
+            <a:endParaRPr lang="ru-RU" dirty="0"/>
+          </a:p>
+        </p:txBody>
+      </p:sp>
+      <p:pic>
+        <p:nvPicPr>
+          <p:cNvPr id="4" name="Объект 3"/>
+          <p:cNvPicPr>
+            <a:picLocks noGrp="1" noChangeAspect="1"/>
+          </p:cNvPicPr>
+          <p:nvPr>
+            <p:ph idx="1"/>
+          </p:nvPr>
+        </p:nvPicPr>
+        <p:blipFill>
+          <a:blip r:embed="rId2"/>
+          <a:stretch>
+            <a:fillRect/>
+          </a:stretch>
+        </p:blipFill>
+        <p:spPr>
+          <a:xfrm>
+            <a:off x="406066" y="2050423"/>
+            <a:ext cx="7277100" cy="3933825"/>
+          </a:xfrm>
+          <a:prstGeom prst="rect">
+            <a:avLst/>
+          </a:prstGeom>
+        </p:spPr>
+      </p:pic>
+      <p:sp>
+        <p:nvSpPr>
+          <p:cNvPr id="5" name="TextBox 4"/>
+          <p:cNvSpPr txBox="1"/>
+          <p:nvPr/>
+        </p:nvSpPr>
+        <p:spPr>
+          <a:xfrm>
+            <a:off x="7122694" y="1027906"/>
+            <a:ext cx="4764505" cy="3416320"/>
+          </a:xfrm>
+          <a:prstGeom prst="rect">
+            <a:avLst/>
+          </a:prstGeom>
+          <a:noFill/>
+        </p:spPr>
+        <p:txBody>
+          <a:bodyPr wrap="square" rtlCol="0">
+            <a:spAutoFit/>
+          </a:bodyPr>
+          <a:lstStyle/>
+          <a:p>
+            <a:r>
+              <a:rPr lang="ru-RU" dirty="0" err="1"/>
+              <a:t>Шардинг</a:t>
+            </a:r>
+            <a:r>
+              <a:rPr lang="ru-RU" dirty="0"/>
+              <a:t> часто использовался как “костыль” к реляционным базам данных в целях увеличения скорости и пропускной способности: пользовательское приложение </a:t>
+            </a:r>
+            <a:r>
+              <a:rPr lang="ru-RU" dirty="0" err="1"/>
+              <a:t>партицировало</a:t>
+            </a:r>
+            <a:r>
+              <a:rPr lang="ru-RU" dirty="0"/>
+              <a:t> данные по нескольким независимым базам данных и при запросе соответствующих данных пользователем обращалось к конкретной базе. В </a:t>
+            </a:r>
+            <a:r>
+              <a:rPr lang="ru-RU" dirty="0" err="1"/>
+              <a:t>NoSQL</a:t>
+            </a:r>
+            <a:r>
+              <a:rPr lang="ru-RU" dirty="0"/>
+              <a:t> базах данных </a:t>
+            </a:r>
+            <a:r>
+              <a:rPr lang="ru-RU" dirty="0" err="1"/>
+              <a:t>шардинг</a:t>
+            </a:r>
+            <a:r>
+              <a:rPr lang="ru-RU" dirty="0"/>
+              <a:t>, как и репликация, производятся автоматически самой базой и пользовательское приложение обособленно от этих сложных механизмов.</a:t>
+            </a:r>
+            <a:endParaRPr lang="ru-RU" dirty="0"/>
+          </a:p>
+        </p:txBody>
+      </p:sp>
+    </p:spTree>
+    <p:extLst>
+      <p:ext uri="{BB962C8B-B14F-4D97-AF65-F5344CB8AC3E}">
+        <p14:creationId xmlns:p14="http://schemas.microsoft.com/office/powerpoint/2010/main" val="887523661"/>
+      </p:ext>
+    </p:extLst>
+  </p:cSld>
+  <p:clrMapOvr>
+    <a:masterClrMapping/>
+  </p:clrMapOvr>
+</p:sld>
+</file>
+
+<file path=ppt/slides/slide13.xml><?xml version="1.0" encoding="utf-8"?>
+<p:sld xmlns:a="http://schemas.openxmlformats.org/drawingml/2006/main" xmlns:r="http://schemas.openxmlformats.org/officeDocument/2006/relationships" xmlns:p="http://schemas.openxmlformats.org/presentationml/2006/main">
+  <p:cSld>
+    <p:spTree>
+      <p:nvGrpSpPr>
+        <p:cNvPr id="1" name=""/>
+        <p:cNvGrpSpPr/>
+        <p:nvPr/>
+      </p:nvGrpSpPr>
+      <p:grpSpPr>
+        <a:xfrm>
+          <a:off x="0" y="0"/>
+          <a:ext cx="0" cy="0"/>
+          <a:chOff x="0" y="0"/>
+          <a:chExt cx="0" cy="0"/>
+        </a:xfrm>
+      </p:grpSpPr>
+      <p:sp>
+        <p:nvSpPr>
+          <p:cNvPr id="2" name="Заголовок 1"/>
+          <p:cNvSpPr>
+            <a:spLocks noGrp="1"/>
+          </p:cNvSpPr>
+          <p:nvPr>
+            <p:ph type="title"/>
+          </p:nvPr>
+        </p:nvSpPr>
+        <p:spPr/>
+        <p:txBody>
+          <a:bodyPr/>
+          <a:lstStyle/>
+          <a:p>
+            <a:r>
+              <a:rPr lang="ru-RU" dirty="0"/>
+              <a:t>Резюме</a:t>
+            </a:r>
+            <a:r>
+              <a:rPr lang="ru-RU" dirty="0" smtClean="0"/>
+              <a:t>.</a:t>
+            </a:r>
+            <a:endParaRPr lang="ru-RU" dirty="0"/>
+          </a:p>
+        </p:txBody>
+      </p:sp>
+      <p:sp>
+        <p:nvSpPr>
+          <p:cNvPr id="3" name="Объект 2"/>
+          <p:cNvSpPr>
+            <a:spLocks noGrp="1"/>
+          </p:cNvSpPr>
+          <p:nvPr>
+            <p:ph idx="1"/>
+          </p:nvPr>
+        </p:nvSpPr>
+        <p:spPr/>
+        <p:txBody>
+          <a:bodyPr>
+            <a:normAutofit lnSpcReduction="10000"/>
+          </a:bodyPr>
+          <a:lstStyle/>
+          <a:p>
+            <a:pPr marL="0" indent="0">
+              <a:buNone/>
+            </a:pPr>
+            <a:r>
+              <a:rPr lang="ru-RU" dirty="0" err="1"/>
+              <a:t>NoSQL</a:t>
+            </a:r>
+            <a:r>
+              <a:rPr lang="ru-RU" dirty="0"/>
+              <a:t> движение набирает популярность гигантскими темпами. Однако это не означает, что реляционные базы данных становятся рудиментом или чем-то архаичным. Скорее всего они будут использоваться и использоваться по-прежнему активно, но все больше в симбиозе с ними будут выступать </a:t>
+            </a:r>
+            <a:r>
+              <a:rPr lang="ru-RU" dirty="0" err="1"/>
+              <a:t>NoSQL</a:t>
+            </a:r>
+            <a:r>
+              <a:rPr lang="ru-RU" dirty="0"/>
+              <a:t> базы. Мы вступаем в эру </a:t>
+            </a:r>
+            <a:r>
+              <a:rPr lang="ru-RU" dirty="0" err="1"/>
+              <a:t>polyglot</a:t>
+            </a:r>
+            <a:r>
+              <a:rPr lang="ru-RU" dirty="0"/>
+              <a:t> </a:t>
+            </a:r>
+            <a:r>
+              <a:rPr lang="ru-RU" dirty="0" err="1"/>
+              <a:t>persistence</a:t>
+            </a:r>
+            <a:r>
+              <a:rPr lang="ru-RU" dirty="0"/>
+              <a:t> — эру, когда для различных потребностей используются разные хранилища данных. Теперь нет монополизма реляционных баз данных, как безальтернативного источника данных. Все чаще архитекторы выбирают хранилище исходя из природы самих данных и того, как мы ими хотим манипулировать, какие объемы информации ожидаются. И поэтому все становится только интереснее.</a:t>
+            </a:r>
+          </a:p>
+        </p:txBody>
+      </p:sp>
+    </p:spTree>
+    <p:extLst>
+      <p:ext uri="{BB962C8B-B14F-4D97-AF65-F5344CB8AC3E}">
+        <p14:creationId xmlns:p14="http://schemas.microsoft.com/office/powerpoint/2010/main" val="1489509478"/>
+      </p:ext>
+    </p:extLst>
+  </p:cSld>
+  <p:clrMapOvr>
+    <a:masterClrMapping/>
+  </p:clrMapOvr>
+</p:sld>
+</file>
+
+<file path=ppt/slides/slide14.xml><?xml version="1.0" encoding="utf-8"?>
+<p:sld xmlns:a="http://schemas.openxmlformats.org/drawingml/2006/main" xmlns:r="http://schemas.openxmlformats.org/officeDocument/2006/relationships" xmlns:p="http://schemas.openxmlformats.org/presentationml/2006/main">
+  <p:cSld>
+    <p:spTree>
+      <p:nvGrpSpPr>
+        <p:cNvPr id="1" name=""/>
+        <p:cNvGrpSpPr/>
+        <p:nvPr/>
+      </p:nvGrpSpPr>
+      <p:grpSpPr>
+        <a:xfrm>
+          <a:off x="0" y="0"/>
+          <a:ext cx="0" cy="0"/>
+          <a:chOff x="0" y="0"/>
+          <a:chExt cx="0" cy="0"/>
+        </a:xfrm>
+      </p:grpSpPr>
+      <p:sp>
+        <p:nvSpPr>
+          <p:cNvPr id="2" name="Заголовок 1"/>
+          <p:cNvSpPr>
+            <a:spLocks noGrp="1"/>
+          </p:cNvSpPr>
+          <p:nvPr>
+            <p:ph type="title"/>
+          </p:nvPr>
+        </p:nvSpPr>
         <p:spPr>
           <a:xfrm>
             <a:off x="1046747" y="2691231"/>
@@ -4096,6 +4622,9 @@
           <a:bodyPr/>
           <a:lstStyle/>
           <a:p>
+            <a:pPr marL="0" indent="0">
+              <a:buNone/>
+            </a:pPr>
             <a:r>
               <a:rPr lang="ru-RU" dirty="0"/>
               <a:t>Этим демонстрируется главное правило проектирования структуры данных в </a:t>
@@ -4302,16 +4831,26 @@
         </p:nvSpPr>
         <p:spPr/>
         <p:txBody>
-          <a:bodyPr/>
-          <a:lstStyle/>
-          <a:p>
-            <a:r>
-              <a:rPr lang="ru-RU" dirty="0"/>
-              <a:t>Резюме</a:t>
-            </a:r>
-            <a:r>
-              <a:rPr lang="ru-RU" dirty="0" smtClean="0"/>
-              <a:t>.</a:t>
+          <a:bodyPr>
+            <a:normAutofit/>
+          </a:bodyPr>
+          <a:lstStyle/>
+          <a:p>
+            <a:r>
+              <a:rPr lang="ru-RU" b="1" dirty="0"/>
+              <a:t>Распределенные системы, без </a:t>
+            </a:r>
+            <a:r>
+              <a:rPr lang="ru-RU" b="1" dirty="0" smtClean="0"/>
+              <a:t>совместно</a:t>
+            </a:r>
+            <a:r>
+              <a:rPr lang="en-US" b="1" dirty="0" smtClean="0"/>
+              <a:t> </a:t>
+            </a:r>
+            <a:r>
+              <a:rPr lang="ru-RU" b="1" dirty="0" smtClean="0"/>
+              <a:t>используемых ресурсов.</a:t>
             </a:r>
             <a:endParaRPr lang="ru-RU" dirty="0"/>
           </a:p>
@@ -4330,7 +4869,7 @@
         <p:spPr/>
         <p:txBody>
           <a:bodyPr>
-            <a:normAutofit lnSpcReduction="10000"/>
+            <a:normAutofit fontScale="77500" lnSpcReduction="20000"/>
           </a:bodyPr>
           <a:lstStyle/>
           <a:p>
@@ -4338,12 +4877,48 @@
               <a:buNone/>
             </a:pPr>
             <a:r>
+              <a:rPr lang="ru-RU" dirty="0"/>
+              <a:t>Это, возможно, главный лейтмотив развития </a:t>
+            </a:r>
+            <a:r>
               <a:rPr lang="ru-RU" dirty="0" err="1"/>
               <a:t>NoSQL</a:t>
             </a:r>
             <a:r>
               <a:rPr lang="ru-RU" dirty="0"/>
-              <a:t> движение набирает популярность гигантскими темпами. Однако это не означает, что реляционные базы данных становятся рудиментом или чем-то архаичным. Скорее всего они будут использоваться и использоваться по-прежнему активно, но все больше в симбиозе с ними будут выступать </a:t>
+              <a:t> баз. С лавинообразным ростом информации в мире и необходимости ее обрабатывать за разумное время встала проблема вертикальной масштабируемости — рост скорости процессора остановился на 3.5 </a:t>
+            </a:r>
+            <a:r>
+              <a:rPr lang="ru-RU" dirty="0" err="1"/>
+              <a:t>Ггц</a:t>
+            </a:r>
+            <a:r>
+              <a:rPr lang="ru-RU" dirty="0"/>
+              <a:t>, скорость чтения с диска также растет тихими темпами, плюс цена мощного сервера всегда больше суммарной цены нескольких простых серверов. В этой ситуации обычные реляционные базы, даже </a:t>
+            </a:r>
+            <a:r>
+              <a:rPr lang="ru-RU" dirty="0" err="1"/>
+              <a:t>кластеризованные</a:t>
+            </a:r>
+            <a:r>
+              <a:rPr lang="ru-RU" dirty="0"/>
+              <a:t> на массиве дисков, не способны решить проблему скорости, масштабируемости и пропускной способности. Единственный выход из ситуации — горизонтальное масштабирование, когда несколько независимых серверов соединяются быстрой сетью и каждый владеет/обрабатывает только часть данных и/или только часть запросов на чтение-обновление. В такой архитектуре для повышения мощности хранилища (емкости, времени отклика, пропускной способности) необходимо лишь добавить новый сервер в кластер — и все. Процедурами </a:t>
+            </a:r>
+            <a:r>
+              <a:rPr lang="ru-RU" dirty="0" err="1"/>
+              <a:t>шардинга</a:t>
+            </a:r>
+            <a:r>
+              <a:rPr lang="ru-RU" dirty="0"/>
+              <a:t>, репликации, обеспечением отказоустойчивости (результат будет получен даже если одна или несколько серверов перестали отвечать), перераспределения данных в случае добавления </a:t>
+            </a:r>
+            <a:r>
+              <a:rPr lang="ru-RU" dirty="0" err="1"/>
+              <a:t>ноды</a:t>
+            </a:r>
+            <a:r>
+              <a:rPr lang="ru-RU" dirty="0"/>
+              <a:t> занимается сама </a:t>
             </a:r>
             <a:r>
               <a:rPr lang="ru-RU" dirty="0" err="1"/>
@@ -4351,31 +4926,16 @@
             </a:r>
             <a:r>
               <a:rPr lang="ru-RU" dirty="0"/>
-              <a:t> базы. Мы вступаем в эру </a:t>
-            </a:r>
-            <a:r>
-              <a:rPr lang="ru-RU" dirty="0" err="1"/>
-              <a:t>polyglot</a:t>
-            </a:r>
-            <a:r>
-              <a:rPr lang="ru-RU" dirty="0"/>
-              <a:t> </a:t>
-            </a:r>
-            <a:r>
-              <a:rPr lang="ru-RU" dirty="0" err="1"/>
-              <a:t>persistence</a:t>
-            </a:r>
-            <a:r>
-              <a:rPr lang="ru-RU" dirty="0"/>
-              <a:t> — эру, когда для различных потребностей используются разные хранилища данных. Теперь нет монополизма реляционных баз данных, как безальтернативного источника данных. Все чаще архитекторы выбирают хранилище исходя из природы самих данных и того, как мы ими хотим манипулировать, какие объемы информации ожидаются. И поэтому все становится только интереснее.</a:t>
-            </a:r>
+              <a:t> база.</a:t>
+            </a:r>
+            <a:endParaRPr lang="ru-RU" dirty="0"/>
           </a:p>
         </p:txBody>
       </p:sp>
     </p:spTree>
     <p:extLst>
       <p:ext uri="{BB962C8B-B14F-4D97-AF65-F5344CB8AC3E}">
-        <p14:creationId xmlns:p14="http://schemas.microsoft.com/office/powerpoint/2010/main" val="1489509478"/>
+        <p14:creationId xmlns:p14="http://schemas.microsoft.com/office/powerpoint/2010/main" val="10957404"/>
       </p:ext>
     </p:extLst>
   </p:cSld>
